--- a/ASESINATO EN SQL CITY.pptx
+++ b/ASESINATO EN SQL CITY.pptx
@@ -127,6 +127,7 @@
 <p1510:revInfo xmlns:a="http://schemas.openxmlformats.org/drawingml/2006/main" xmlns:r="http://schemas.openxmlformats.org/officeDocument/2006/relationships" xmlns:p1510="http://schemas.microsoft.com/office/powerpoint/2015/10/main">
   <p1510:revLst>
     <p1510:client id="{6D2E9FF0-F94A-4F8C-9779-02CB423D63C4}" v="1046" dt="2023-12-15T20:26:52.120"/>
+    <p1510:client id="{D775486D-B9A1-4C23-AE3C-7CB64B76EA19}" v="14" dt="2023-12-15T23:08:12.254"/>
   </p1510:revLst>
 </p1510:revInfo>
 </file>
@@ -4752,10 +4753,10 @@
       </p:sp>
       <p:pic>
         <p:nvPicPr>
-          <p:cNvPr id="4" name="Imagen 3" descr="Texto&#10;&#10;Descripción generada automáticamente">
+          <p:cNvPr id="6" name="Imagen 5" descr="Interfaz de usuario gráfica, Texto&#10;&#10;Descripción generada automáticamente">
             <a:extLst>
               <a:ext uri="{FF2B5EF4-FFF2-40B4-BE49-F238E27FC236}">
-                <a16:creationId xmlns:a16="http://schemas.microsoft.com/office/drawing/2014/main" id="{88516C80-E7A7-4631-524B-482EBC838AF0}"/>
+                <a16:creationId xmlns:a16="http://schemas.microsoft.com/office/drawing/2014/main" id="{C7D18576-83A9-4B11-2E2A-700EB9E7280F}"/>
               </a:ext>
             </a:extLst>
           </p:cNvPr>
@@ -4772,8 +4773,8 @@
         </p:blipFill>
         <p:spPr>
           <a:xfrm>
-            <a:off x="1491343" y="2993679"/>
-            <a:ext cx="8675914" cy="3624727"/>
+            <a:off x="1491343" y="3175807"/>
+            <a:ext cx="9394371" cy="2520244"/>
           </a:xfrm>
           <a:prstGeom prst="rect">
             <a:avLst/>
@@ -4883,10 +4884,10 @@
       </p:sp>
       <p:pic>
         <p:nvPicPr>
-          <p:cNvPr id="5" name="Imagen 4" descr="Texto&#10;&#10;Descripción generada automáticamente">
+          <p:cNvPr id="6" name="Imagen 5" descr="Texto&#10;&#10;Descripción generada automáticamente">
             <a:extLst>
               <a:ext uri="{FF2B5EF4-FFF2-40B4-BE49-F238E27FC236}">
-                <a16:creationId xmlns:a16="http://schemas.microsoft.com/office/drawing/2014/main" id="{AE67D489-E9A6-3FD3-F279-B3ACBD5680CC}"/>
+                <a16:creationId xmlns:a16="http://schemas.microsoft.com/office/drawing/2014/main" id="{F9145059-6414-982F-14DB-5CF7AF92804C}"/>
               </a:ext>
             </a:extLst>
           </p:cNvPr>
@@ -4895,15 +4896,16 @@
           </p:cNvPicPr>
           <p:nvPr/>
         </p:nvPicPr>
-        <p:blipFill rotWithShape="1">
+        <p:blipFill>
           <a:blip r:embed="rId3"/>
-          <a:srcRect b="5409"/>
-          <a:stretch/>
+          <a:stretch>
+            <a:fillRect/>
+          </a:stretch>
         </p:blipFill>
         <p:spPr>
           <a:xfrm>
-            <a:off x="2111829" y="2693717"/>
-            <a:ext cx="7413170" cy="4044122"/>
+            <a:off x="2558143" y="2798092"/>
+            <a:ext cx="6814457" cy="3885273"/>
           </a:xfrm>
           <a:prstGeom prst="rect">
             <a:avLst/>

--- a/ASESINATO EN SQL CITY.pptx
+++ b/ASESINATO EN SQL CITY.pptx
@@ -127,7 +127,7 @@
 <p1510:revInfo xmlns:a="http://schemas.openxmlformats.org/drawingml/2006/main" xmlns:r="http://schemas.openxmlformats.org/officeDocument/2006/relationships" xmlns:p1510="http://schemas.microsoft.com/office/powerpoint/2015/10/main">
   <p1510:revLst>
     <p1510:client id="{6D2E9FF0-F94A-4F8C-9779-02CB423D63C4}" v="1046" dt="2023-12-15T20:26:52.120"/>
-    <p1510:client id="{D775486D-B9A1-4C23-AE3C-7CB64B76EA19}" v="14" dt="2023-12-15T23:08:12.254"/>
+    <p1510:client id="{D775486D-B9A1-4C23-AE3C-7CB64B76EA19}" v="161" dt="2023-12-15T23:17:37.458"/>
   </p1510:revLst>
 </p1510:revInfo>
 </file>
@@ -4404,7 +4404,7 @@
             <a:pPr algn="ctr"/>
             <a:r>
               <a:rPr lang="es-ES" dirty="0"/>
-              <a:t>Primeros hallazgos</a:t>
+              <a:t>hallazgos</a:t>
             </a:r>
           </a:p>
         </p:txBody>
@@ -4427,7 +4427,7 @@
         </p:nvSpPr>
         <p:spPr>
           <a:xfrm>
-            <a:off x="1069848" y="2121408"/>
+            <a:off x="1069848" y="1892808"/>
             <a:ext cx="10058400" cy="4595077"/>
           </a:xfrm>
         </p:spPr>
@@ -4443,10 +4443,9 @@
               </a:buClr>
             </a:pPr>
             <a:r>
-              <a:rPr lang="es-ES" sz="2400" dirty="0"/>
+              <a:rPr lang="es-ES" dirty="0"/>
               <a:t>Dos testigos del crimen:</a:t>
             </a:r>
-            <a:endParaRPr lang="es-ES"/>
           </a:p>
           <a:p>
             <a:pPr marL="560070" lvl="1" indent="-285750">
@@ -4460,22 +4459,38 @@
               <a:buChar char="o"/>
             </a:pPr>
             <a:r>
-              <a:rPr lang="es-ES" sz="1600" dirty="0"/>
+              <a:rPr lang="es-ES" sz="2000" dirty="0"/>
               <a:t> </a:t>
             </a:r>
             <a:r>
-              <a:rPr lang="es-ES" sz="1600" err="1"/>
+              <a:rPr lang="es-ES" sz="2000" err="1"/>
               <a:t>Morty</a:t>
             </a:r>
             <a:r>
-              <a:rPr lang="es-ES" sz="1600" dirty="0"/>
+              <a:rPr lang="es-ES" sz="2000" dirty="0"/>
               <a:t> </a:t>
             </a:r>
             <a:r>
-              <a:rPr lang="es-ES" sz="1600" err="1"/>
+              <a:rPr lang="es-ES" sz="2000" err="1"/>
               <a:t>Schapiro</a:t>
             </a:r>
-            <a:endParaRPr lang="es-ES" sz="1600"/>
+            <a:r>
+              <a:rPr lang="es-ES" sz="2000" dirty="0"/>
+              <a:t>: "Vi el asesinato ocurrir, y reconocí al asesino de mi gimnasio cuando estaba entrenando la semana pasada el 9 de enero."</a:t>
+            </a:r>
+          </a:p>
+          <a:p>
+            <a:pPr marL="560070" lvl="1" indent="-285750">
+              <a:spcAft>
+                <a:spcPts val="0"/>
+              </a:spcAft>
+              <a:buClr>
+                <a:srgbClr val="9E3611"/>
+              </a:buClr>
+              <a:buFont typeface="Courier New" pitchFamily="2" charset="2"/>
+              <a:buChar char="o"/>
+            </a:pPr>
+            <a:endParaRPr lang="es-ES" sz="2000" dirty="0"/>
           </a:p>
           <a:p>
             <a:pPr marL="560070" lvl="1" indent="-285750">
@@ -4486,57 +4501,78 @@
               <a:buChar char="o"/>
             </a:pPr>
             <a:r>
-              <a:rPr lang="es-ES" sz="1600" dirty="0"/>
-              <a:t>Annabel Miller</a:t>
-            </a:r>
-          </a:p>
-          <a:p>
-            <a:pPr marL="560070" lvl="1" indent="-285750">
-              <a:buClr>
-                <a:srgbClr val="9E3611"/>
-              </a:buClr>
-              <a:buFont typeface="Courier New" pitchFamily="2" charset="2"/>
-              <a:buChar char="o"/>
-            </a:pPr>
-            <a:endParaRPr lang="es-ES" sz="1600" dirty="0"/>
-          </a:p>
-          <a:p>
-            <a:pPr marL="342900" indent="-342900"/>
-            <a:r>
-              <a:rPr lang="es-ES" sz="2400" dirty="0"/>
-              <a:t>El sospecho va al gimnasio "</a:t>
-            </a:r>
-            <a:r>
-              <a:rPr lang="es-ES" sz="2400" err="1"/>
+              <a:rPr lang="es-ES" sz="2000" dirty="0"/>
+              <a:t>Annabel Miller: "Escuché</a:t>
+            </a:r>
+            <a:r>
+              <a:rPr lang="es-ES" sz="2000" dirty="0">
+                <a:solidFill>
+                  <a:srgbClr val="000000"/>
+                </a:solidFill>
+                <a:ea typeface="+mn-lt"/>
+                <a:cs typeface="+mn-lt"/>
+              </a:rPr>
+              <a:t> un disparo y luego vi a un hombre salir corriendo. Llevaba una bolsa del gimnasio '</a:t>
+            </a:r>
+            <a:r>
+              <a:rPr lang="es-ES" sz="2000" err="1">
+                <a:solidFill>
+                  <a:srgbClr val="000000"/>
+                </a:solidFill>
+                <a:ea typeface="+mn-lt"/>
+                <a:cs typeface="+mn-lt"/>
+              </a:rPr>
               <a:t>Get</a:t>
             </a:r>
             <a:r>
-              <a:rPr lang="es-ES" sz="2400" dirty="0"/>
+              <a:rPr lang="es-ES" sz="2000" dirty="0">
+                <a:solidFill>
+                  <a:srgbClr val="000000"/>
+                </a:solidFill>
+                <a:ea typeface="+mn-lt"/>
+                <a:cs typeface="+mn-lt"/>
+              </a:rPr>
               <a:t> </a:t>
             </a:r>
             <a:r>
-              <a:rPr lang="es-ES" sz="2400" err="1"/>
+              <a:rPr lang="es-ES" sz="2000" err="1">
+                <a:solidFill>
+                  <a:srgbClr val="000000"/>
+                </a:solidFill>
+                <a:ea typeface="+mn-lt"/>
+                <a:cs typeface="+mn-lt"/>
+              </a:rPr>
               <a:t>Fit</a:t>
             </a:r>
             <a:r>
-              <a:rPr lang="es-ES" sz="2400" dirty="0"/>
+              <a:rPr lang="es-ES" sz="2000" dirty="0">
+                <a:solidFill>
+                  <a:srgbClr val="000000"/>
+                </a:solidFill>
+                <a:ea typeface="+mn-lt"/>
+                <a:cs typeface="+mn-lt"/>
+              </a:rPr>
               <a:t> </a:t>
             </a:r>
             <a:r>
-              <a:rPr lang="es-ES" sz="2400" err="1"/>
+              <a:rPr lang="es-ES" sz="2000" err="1">
+                <a:solidFill>
+                  <a:srgbClr val="000000"/>
+                </a:solidFill>
+                <a:ea typeface="+mn-lt"/>
+                <a:cs typeface="+mn-lt"/>
+              </a:rPr>
               <a:t>Now</a:t>
             </a:r>
             <a:r>
-              <a:rPr lang="es-ES" sz="2400" dirty="0"/>
-              <a:t> </a:t>
-            </a:r>
-            <a:r>
-              <a:rPr lang="es-ES" sz="2400" err="1"/>
-              <a:t>Gym</a:t>
-            </a:r>
-            <a:r>
-              <a:rPr lang="es-ES" sz="2400" dirty="0"/>
-              <a:t>" y su subió a un coche, la matrícula incluía estos datos: "H42W""</a:t>
+              <a:rPr lang="es-ES" sz="2000" dirty="0">
+                <a:solidFill>
+                  <a:srgbClr val="000000"/>
+                </a:solidFill>
+                <a:ea typeface="+mn-lt"/>
+                <a:cs typeface="+mn-lt"/>
+              </a:rPr>
+              <a:t>'. El número de membresía en la bolsa comenzaba con '48Z'. Solo los miembros Gold tienen esas bolsas. El hombre se subió a un auto con una placa que incluía 'H42W'."</a:t>
             </a:r>
           </a:p>
           <a:p>
@@ -4545,7 +4581,10 @@
                 <a:srgbClr val="9E3611"/>
               </a:buClr>
             </a:pPr>
-            <a:endParaRPr lang="es-ES" sz="2400" dirty="0"/>
+            <a:r>
+              <a:rPr lang="es-ES" dirty="0"/>
+              <a:t>Investigamos a las personas que miembros del gimnasio y buscamos las matriculas</a:t>
+            </a:r>
           </a:p>
           <a:p>
             <a:pPr marL="342900" indent="-342900">
@@ -4554,7 +4593,7 @@
               </a:buClr>
             </a:pPr>
             <a:r>
-              <a:rPr lang="es-ES" sz="2400" dirty="0"/>
+              <a:rPr lang="es-ES" dirty="0"/>
               <a:t>Reducimos la búsqueda a tres sospechosos:</a:t>
             </a:r>
           </a:p>
@@ -4570,15 +4609,15 @@
               <a:buChar char="o"/>
             </a:pPr>
             <a:r>
-              <a:rPr lang="es-ES" dirty="0"/>
+              <a:rPr lang="es-ES" sz="2000" dirty="0"/>
               <a:t>Maxine </a:t>
             </a:r>
             <a:r>
-              <a:rPr lang="es-ES" err="1"/>
+              <a:rPr lang="es-ES" sz="2000" err="1"/>
               <a:t>Whitely</a:t>
             </a:r>
             <a:r>
-              <a:rPr lang="es-ES" dirty="0"/>
+              <a:rPr lang="es-ES" sz="2000" dirty="0"/>
               <a:t> </a:t>
             </a:r>
           </a:p>
@@ -4591,18 +4630,18 @@
               <a:buChar char="o"/>
             </a:pPr>
             <a:r>
-              <a:rPr lang="es-ES" err="1"/>
+              <a:rPr lang="es-ES" sz="2000" dirty="0" err="1"/>
               <a:t>Tushar</a:t>
             </a:r>
             <a:r>
-              <a:rPr lang="es-ES" dirty="0"/>
+              <a:rPr lang="es-ES" sz="2000" dirty="0"/>
               <a:t> </a:t>
             </a:r>
             <a:r>
-              <a:rPr lang="es-ES" err="1"/>
+              <a:rPr lang="es-ES" sz="2000" dirty="0" err="1"/>
               <a:t>Chandra</a:t>
             </a:r>
-            <a:endParaRPr lang="es-ES"/>
+            <a:endParaRPr lang="es-ES" sz="2000" dirty="0"/>
           </a:p>
           <a:p>
             <a:pPr marL="617220" lvl="1" indent="-342900">
@@ -4613,14 +4652,14 @@
               <a:buChar char="o"/>
             </a:pPr>
             <a:r>
-              <a:rPr lang="es-ES" dirty="0"/>
+              <a:rPr lang="es-ES" sz="2000" dirty="0"/>
               <a:t>Jeremy </a:t>
             </a:r>
             <a:r>
-              <a:rPr lang="es-ES" err="1"/>
+              <a:rPr lang="es-ES" sz="2000" err="1"/>
               <a:t>Bowers</a:t>
             </a:r>
-            <a:endParaRPr lang="es-ES"/>
+            <a:endParaRPr lang="es-ES" sz="2000"/>
           </a:p>
           <a:p>
             <a:pPr marL="0" indent="0">
